--- a/Презентация/Brainzzlerr.pptx
+++ b/Презентация/Brainzzlerr.pptx
@@ -7,12 +7,13 @@
   <p:sldIdLst>
     <p:sldId id="256" r:id="rId2"/>
     <p:sldId id="257" r:id="rId3"/>
-    <p:sldId id="261" r:id="rId4"/>
-    <p:sldId id="262" r:id="rId5"/>
-    <p:sldId id="258" r:id="rId6"/>
-    <p:sldId id="259" r:id="rId7"/>
-    <p:sldId id="260" r:id="rId8"/>
-    <p:sldId id="263" r:id="rId9"/>
+    <p:sldId id="264" r:id="rId4"/>
+    <p:sldId id="261" r:id="rId5"/>
+    <p:sldId id="262" r:id="rId6"/>
+    <p:sldId id="258" r:id="rId7"/>
+    <p:sldId id="259" r:id="rId8"/>
+    <p:sldId id="260" r:id="rId9"/>
+    <p:sldId id="263" r:id="rId10"/>
   </p:sldIdLst>
   <p:sldSz cx="12192000" cy="6858000"/>
   <p:notesSz cx="6858000" cy="9144000"/>
@@ -250,7 +251,7 @@
           <a:p>
             <a:fld id="{1CE57292-5F6E-4FFF-BBFF-B5FC0F48DD46}" type="datetimeFigureOut">
               <a:rPr lang="es-ES" smtClean="0"/>
-              <a:t>08/03/2019</a:t>
+              <a:t>06/04/2019</a:t>
             </a:fld>
             <a:endParaRPr lang="es-ES"/>
           </a:p>
@@ -420,7 +421,7 @@
           <a:p>
             <a:fld id="{1CE57292-5F6E-4FFF-BBFF-B5FC0F48DD46}" type="datetimeFigureOut">
               <a:rPr lang="es-ES" smtClean="0"/>
-              <a:t>08/03/2019</a:t>
+              <a:t>06/04/2019</a:t>
             </a:fld>
             <a:endParaRPr lang="es-ES"/>
           </a:p>
@@ -600,7 +601,7 @@
           <a:p>
             <a:fld id="{1CE57292-5F6E-4FFF-BBFF-B5FC0F48DD46}" type="datetimeFigureOut">
               <a:rPr lang="es-ES" smtClean="0"/>
-              <a:t>08/03/2019</a:t>
+              <a:t>06/04/2019</a:t>
             </a:fld>
             <a:endParaRPr lang="es-ES"/>
           </a:p>
@@ -770,7 +771,7 @@
           <a:p>
             <a:fld id="{1CE57292-5F6E-4FFF-BBFF-B5FC0F48DD46}" type="datetimeFigureOut">
               <a:rPr lang="es-ES" smtClean="0"/>
-              <a:t>08/03/2019</a:t>
+              <a:t>06/04/2019</a:t>
             </a:fld>
             <a:endParaRPr lang="es-ES"/>
           </a:p>
@@ -1016,7 +1017,7 @@
           <a:p>
             <a:fld id="{1CE57292-5F6E-4FFF-BBFF-B5FC0F48DD46}" type="datetimeFigureOut">
               <a:rPr lang="es-ES" smtClean="0"/>
-              <a:t>08/03/2019</a:t>
+              <a:t>06/04/2019</a:t>
             </a:fld>
             <a:endParaRPr lang="es-ES"/>
           </a:p>
@@ -1248,7 +1249,7 @@
           <a:p>
             <a:fld id="{1CE57292-5F6E-4FFF-BBFF-B5FC0F48DD46}" type="datetimeFigureOut">
               <a:rPr lang="es-ES" smtClean="0"/>
-              <a:t>08/03/2019</a:t>
+              <a:t>06/04/2019</a:t>
             </a:fld>
             <a:endParaRPr lang="es-ES"/>
           </a:p>
@@ -1615,7 +1616,7 @@
           <a:p>
             <a:fld id="{1CE57292-5F6E-4FFF-BBFF-B5FC0F48DD46}" type="datetimeFigureOut">
               <a:rPr lang="es-ES" smtClean="0"/>
-              <a:t>08/03/2019</a:t>
+              <a:t>06/04/2019</a:t>
             </a:fld>
             <a:endParaRPr lang="es-ES"/>
           </a:p>
@@ -1733,7 +1734,7 @@
           <a:p>
             <a:fld id="{1CE57292-5F6E-4FFF-BBFF-B5FC0F48DD46}" type="datetimeFigureOut">
               <a:rPr lang="es-ES" smtClean="0"/>
-              <a:t>08/03/2019</a:t>
+              <a:t>06/04/2019</a:t>
             </a:fld>
             <a:endParaRPr lang="es-ES"/>
           </a:p>
@@ -1828,7 +1829,7 @@
           <a:p>
             <a:fld id="{1CE57292-5F6E-4FFF-BBFF-B5FC0F48DD46}" type="datetimeFigureOut">
               <a:rPr lang="es-ES" smtClean="0"/>
-              <a:t>08/03/2019</a:t>
+              <a:t>06/04/2019</a:t>
             </a:fld>
             <a:endParaRPr lang="es-ES"/>
           </a:p>
@@ -2105,7 +2106,7 @@
           <a:p>
             <a:fld id="{1CE57292-5F6E-4FFF-BBFF-B5FC0F48DD46}" type="datetimeFigureOut">
               <a:rPr lang="es-ES" smtClean="0"/>
-              <a:t>08/03/2019</a:t>
+              <a:t>06/04/2019</a:t>
             </a:fld>
             <a:endParaRPr lang="es-ES"/>
           </a:p>
@@ -2358,7 +2359,7 @@
           <a:p>
             <a:fld id="{1CE57292-5F6E-4FFF-BBFF-B5FC0F48DD46}" type="datetimeFigureOut">
               <a:rPr lang="es-ES" smtClean="0"/>
-              <a:t>08/03/2019</a:t>
+              <a:t>06/04/2019</a:t>
             </a:fld>
             <a:endParaRPr lang="es-ES"/>
           </a:p>
@@ -2571,7 +2572,7 @@
           <a:p>
             <a:fld id="{1CE57292-5F6E-4FFF-BBFF-B5FC0F48DD46}" type="datetimeFigureOut">
               <a:rPr lang="es-ES" smtClean="0"/>
-              <a:t>08/03/2019</a:t>
+              <a:t>06/04/2019</a:t>
             </a:fld>
             <a:endParaRPr lang="es-ES"/>
           </a:p>
@@ -3269,10 +3270,188 @@
   <p:clrMapOvr>
     <a:masterClrMapping/>
   </p:clrMapOvr>
+  <p:timing>
+    <p:tnLst>
+      <p:par>
+        <p:cTn id="1" dur="indefinite" restart="never" nodeType="tmRoot"/>
+      </p:par>
+    </p:tnLst>
+  </p:timing>
 </p:sld>
 </file>
 
 <file path=ppt/slides/slide3.xml><?xml version="1.0" encoding="utf-8"?>
+<p:sld xmlns:a="http://schemas.openxmlformats.org/drawingml/2006/main" xmlns:r="http://schemas.openxmlformats.org/officeDocument/2006/relationships" xmlns:p="http://schemas.openxmlformats.org/presentationml/2006/main">
+  <p:cSld>
+    <p:spTree>
+      <p:nvGrpSpPr>
+        <p:cNvPr id="1" name=""/>
+        <p:cNvGrpSpPr/>
+        <p:nvPr/>
+      </p:nvGrpSpPr>
+      <p:grpSpPr>
+        <a:xfrm>
+          <a:off x="0" y="0"/>
+          <a:ext cx="0" cy="0"/>
+          <a:chOff x="0" y="0"/>
+          <a:chExt cx="0" cy="0"/>
+        </a:xfrm>
+      </p:grpSpPr>
+      <p:sp>
+        <p:nvSpPr>
+          <p:cNvPr id="2" name="Title 1"/>
+          <p:cNvSpPr>
+            <a:spLocks noGrp="1"/>
+          </p:cNvSpPr>
+          <p:nvPr>
+            <p:ph type="title"/>
+          </p:nvPr>
+        </p:nvSpPr>
+        <p:spPr/>
+        <p:txBody>
+          <a:bodyPr/>
+          <a:lstStyle/>
+          <a:p>
+            <a:r>
+              <a:rPr lang="bg-BG" dirty="0" smtClean="0">
+                <a:latin typeface="Sunday" panose="00000500000000000000" pitchFamily="2" charset="-52"/>
+              </a:rPr>
+              <a:t>Как го създадохме? </a:t>
+            </a:r>
+            <a:endParaRPr lang="es-ES" dirty="0">
+              <a:latin typeface="Sunday" panose="00000500000000000000" pitchFamily="2" charset="-52"/>
+            </a:endParaRPr>
+          </a:p>
+        </p:txBody>
+      </p:sp>
+      <p:sp>
+        <p:nvSpPr>
+          <p:cNvPr id="3" name="Content Placeholder 2"/>
+          <p:cNvSpPr>
+            <a:spLocks noGrp="1"/>
+          </p:cNvSpPr>
+          <p:nvPr>
+            <p:ph idx="1"/>
+          </p:nvPr>
+        </p:nvSpPr>
+        <p:spPr/>
+        <p:txBody>
+          <a:bodyPr>
+            <a:normAutofit/>
+          </a:bodyPr>
+          <a:lstStyle/>
+          <a:p>
+            <a:pPr marL="571500" indent="-571500">
+              <a:buAutoNum type="romanUcPeriod"/>
+            </a:pPr>
+            <a:r>
+              <a:rPr lang="bg-BG" sz="3600" dirty="0" smtClean="0"/>
+              <a:t>Хартиен прототип</a:t>
+            </a:r>
+          </a:p>
+          <a:p>
+            <a:pPr marL="571500" indent="-571500">
+              <a:buAutoNum type="romanUcPeriod"/>
+            </a:pPr>
+            <a:r>
+              <a:rPr lang="en-US" sz="3600" dirty="0" smtClean="0"/>
+              <a:t>UX – </a:t>
+            </a:r>
+            <a:r>
+              <a:rPr lang="bg-BG" sz="3600" dirty="0"/>
+              <a:t>р</a:t>
+            </a:r>
+            <a:r>
+              <a:rPr lang="bg-BG" sz="3600" dirty="0" smtClean="0"/>
+              <a:t>исърч</a:t>
+            </a:r>
+          </a:p>
+          <a:p>
+            <a:pPr marL="571500" indent="-571500">
+              <a:buAutoNum type="romanUcPeriod"/>
+            </a:pPr>
+            <a:r>
+              <a:rPr lang="bg-BG" sz="3600" dirty="0" smtClean="0"/>
+              <a:t>Дигитален прототип</a:t>
+            </a:r>
+          </a:p>
+          <a:p>
+            <a:pPr marL="571500" indent="-571500">
+              <a:buAutoNum type="romanUcPeriod"/>
+            </a:pPr>
+            <a:r>
+              <a:rPr lang="bg-BG" sz="3600" dirty="0"/>
+              <a:t>Р</a:t>
+            </a:r>
+            <a:r>
+              <a:rPr lang="bg-BG" sz="3600" dirty="0" smtClean="0"/>
+              <a:t>азработка</a:t>
+            </a:r>
+          </a:p>
+          <a:p>
+            <a:pPr marL="571500" indent="-571500">
+              <a:buAutoNum type="romanUcPeriod"/>
+            </a:pPr>
+            <a:r>
+              <a:rPr lang="bg-BG" sz="3600" dirty="0" smtClean="0"/>
+              <a:t>Хост</a:t>
+            </a:r>
+          </a:p>
+          <a:p>
+            <a:pPr marL="571500" indent="-571500">
+              <a:buAutoNum type="romanUcPeriod"/>
+            </a:pPr>
+            <a:r>
+              <a:rPr lang="bg-BG" sz="3600" dirty="0" smtClean="0"/>
+              <a:t>Тестване</a:t>
+            </a:r>
+          </a:p>
+        </p:txBody>
+      </p:sp>
+      <p:pic>
+        <p:nvPicPr>
+          <p:cNvPr id="4" name="Content Placeholder 3"/>
+          <p:cNvPicPr>
+            <a:picLocks noChangeAspect="1"/>
+          </p:cNvPicPr>
+          <p:nvPr/>
+        </p:nvPicPr>
+        <p:blipFill>
+          <a:blip r:embed="rId2" cstate="print">
+            <a:extLst>
+              <a:ext uri="{28A0092B-C50C-407E-A947-70E740481C1C}">
+                <a14:useLocalDpi xmlns:a14="http://schemas.microsoft.com/office/drawing/2010/main" val="0"/>
+              </a:ext>
+            </a:extLst>
+          </a:blip>
+          <a:stretch>
+            <a:fillRect/>
+          </a:stretch>
+        </p:blipFill>
+        <p:spPr>
+          <a:xfrm rot="16587720">
+            <a:off x="6758389" y="980548"/>
+            <a:ext cx="4280760" cy="5094713"/>
+          </a:xfrm>
+          <a:prstGeom prst="rect">
+            <a:avLst/>
+          </a:prstGeom>
+        </p:spPr>
+      </p:pic>
+    </p:spTree>
+    <p:extLst>
+      <p:ext uri="{BB962C8B-B14F-4D97-AF65-F5344CB8AC3E}">
+        <p14:creationId xmlns:p14="http://schemas.microsoft.com/office/powerpoint/2010/main" val="1197080948"/>
+      </p:ext>
+    </p:extLst>
+  </p:cSld>
+  <p:clrMapOvr>
+    <a:masterClrMapping/>
+  </p:clrMapOvr>
+</p:sld>
+</file>
+
+<file path=ppt/slides/slide4.xml><?xml version="1.0" encoding="utf-8"?>
 <p:sld xmlns:a="http://schemas.openxmlformats.org/drawingml/2006/main" xmlns:r="http://schemas.openxmlformats.org/officeDocument/2006/relationships" xmlns:p="http://schemas.openxmlformats.org/presentationml/2006/main">
   <p:cSld>
     <p:spTree>
@@ -3471,7 +3650,7 @@
 </p:sld>
 </file>
 
-<file path=ppt/slides/slide4.xml><?xml version="1.0" encoding="utf-8"?>
+<file path=ppt/slides/slide5.xml><?xml version="1.0" encoding="utf-8"?>
 <p:sld xmlns:a="http://schemas.openxmlformats.org/drawingml/2006/main" xmlns:r="http://schemas.openxmlformats.org/officeDocument/2006/relationships" xmlns:p="http://schemas.openxmlformats.org/presentationml/2006/main">
   <p:cSld>
     <p:spTree>
@@ -3542,7 +3721,7 @@
         </p:blipFill>
         <p:spPr>
           <a:xfrm>
-            <a:off x="1007993" y="581185"/>
+            <a:off x="2592953" y="779305"/>
             <a:ext cx="6891786" cy="2684628"/>
           </a:xfrm>
           <a:prstGeom prst="rect">
@@ -3634,7 +3813,7 @@
 </p:sld>
 </file>
 
-<file path=ppt/slides/slide5.xml><?xml version="1.0" encoding="utf-8"?>
+<file path=ppt/slides/slide6.xml><?xml version="1.0" encoding="utf-8"?>
 <p:sld xmlns:a="http://schemas.openxmlformats.org/drawingml/2006/main" xmlns:r="http://schemas.openxmlformats.org/officeDocument/2006/relationships" xmlns:p="http://schemas.openxmlformats.org/presentationml/2006/main">
   <p:cSld>
     <p:spTree>
@@ -3723,97 +3902,6 @@
     <p:extLst>
       <p:ext uri="{BB962C8B-B14F-4D97-AF65-F5344CB8AC3E}">
         <p14:creationId xmlns:p14="http://schemas.microsoft.com/office/powerpoint/2010/main" val="3081825276"/>
-      </p:ext>
-    </p:extLst>
-  </p:cSld>
-  <p:clrMapOvr>
-    <a:masterClrMapping/>
-  </p:clrMapOvr>
-</p:sld>
-</file>
-
-<file path=ppt/slides/slide6.xml><?xml version="1.0" encoding="utf-8"?>
-<p:sld xmlns:a="http://schemas.openxmlformats.org/drawingml/2006/main" xmlns:r="http://schemas.openxmlformats.org/officeDocument/2006/relationships" xmlns:p="http://schemas.openxmlformats.org/presentationml/2006/main">
-  <p:cSld>
-    <p:spTree>
-      <p:nvGrpSpPr>
-        <p:cNvPr id="1" name=""/>
-        <p:cNvGrpSpPr/>
-        <p:nvPr/>
-      </p:nvGrpSpPr>
-      <p:grpSpPr>
-        <a:xfrm>
-          <a:off x="0" y="0"/>
-          <a:ext cx="0" cy="0"/>
-          <a:chOff x="0" y="0"/>
-          <a:chExt cx="0" cy="0"/>
-        </a:xfrm>
-      </p:grpSpPr>
-      <p:sp>
-        <p:nvSpPr>
-          <p:cNvPr id="2" name="Title 1"/>
-          <p:cNvSpPr>
-            <a:spLocks noGrp="1"/>
-          </p:cNvSpPr>
-          <p:nvPr>
-            <p:ph type="title"/>
-          </p:nvPr>
-        </p:nvSpPr>
-        <p:spPr>
-          <a:xfrm>
-            <a:off x="838200" y="2596881"/>
-            <a:ext cx="10515600" cy="1325563"/>
-          </a:xfrm>
-        </p:spPr>
-        <p:txBody>
-          <a:bodyPr/>
-          <a:lstStyle/>
-          <a:p>
-            <a:r>
-              <a:rPr lang="bg-BG" dirty="0" smtClean="0">
-                <a:latin typeface="Sunday" panose="00000500000000000000" pitchFamily="2" charset="-52"/>
-              </a:rPr>
-              <a:t>Игри</a:t>
-            </a:r>
-            <a:endParaRPr lang="es-ES" dirty="0">
-              <a:latin typeface="Sunday" panose="00000500000000000000" pitchFamily="2" charset="-52"/>
-            </a:endParaRPr>
-          </a:p>
-        </p:txBody>
-      </p:sp>
-      <p:pic>
-        <p:nvPicPr>
-          <p:cNvPr id="6" name="Content Placeholder 5"/>
-          <p:cNvPicPr>
-            <a:picLocks noGrp="1" noChangeAspect="1"/>
-          </p:cNvPicPr>
-          <p:nvPr>
-            <p:ph idx="1"/>
-          </p:nvPr>
-        </p:nvPicPr>
-        <p:blipFill>
-          <a:blip r:embed="rId2">
-            <a:extLst>
-              <a:ext uri="{28A0092B-C50C-407E-A947-70E740481C1C}">
-                <a14:useLocalDpi xmlns:a14="http://schemas.microsoft.com/office/drawing/2010/main" val="0"/>
-              </a:ext>
-            </a:extLst>
-          </a:blip>
-          <a:stretch>
-            <a:fillRect/>
-          </a:stretch>
-        </p:blipFill>
-        <p:spPr>
-          <a:xfrm>
-            <a:off x="3235950" y="1"/>
-            <a:ext cx="8956049" cy="6858000"/>
-          </a:xfrm>
-        </p:spPr>
-      </p:pic>
-    </p:spTree>
-    <p:extLst>
-      <p:ext uri="{BB962C8B-B14F-4D97-AF65-F5344CB8AC3E}">
-        <p14:creationId xmlns:p14="http://schemas.microsoft.com/office/powerpoint/2010/main" val="2862008963"/>
       </p:ext>
     </p:extLst>
   </p:cSld>
@@ -3852,6 +3940,97 @@
         </p:nvSpPr>
         <p:spPr>
           <a:xfrm>
+            <a:off x="838200" y="2596881"/>
+            <a:ext cx="10515600" cy="1325563"/>
+          </a:xfrm>
+        </p:spPr>
+        <p:txBody>
+          <a:bodyPr/>
+          <a:lstStyle/>
+          <a:p>
+            <a:r>
+              <a:rPr lang="bg-BG" dirty="0" smtClean="0">
+                <a:latin typeface="Sunday" panose="00000500000000000000" pitchFamily="2" charset="-52"/>
+              </a:rPr>
+              <a:t>Игри</a:t>
+            </a:r>
+            <a:endParaRPr lang="es-ES" dirty="0">
+              <a:latin typeface="Sunday" panose="00000500000000000000" pitchFamily="2" charset="-52"/>
+            </a:endParaRPr>
+          </a:p>
+        </p:txBody>
+      </p:sp>
+      <p:pic>
+        <p:nvPicPr>
+          <p:cNvPr id="6" name="Content Placeholder 5"/>
+          <p:cNvPicPr>
+            <a:picLocks noGrp="1" noChangeAspect="1"/>
+          </p:cNvPicPr>
+          <p:nvPr>
+            <p:ph idx="1"/>
+          </p:nvPr>
+        </p:nvPicPr>
+        <p:blipFill>
+          <a:blip r:embed="rId2">
+            <a:extLst>
+              <a:ext uri="{28A0092B-C50C-407E-A947-70E740481C1C}">
+                <a14:useLocalDpi xmlns:a14="http://schemas.microsoft.com/office/drawing/2010/main" val="0"/>
+              </a:ext>
+            </a:extLst>
+          </a:blip>
+          <a:stretch>
+            <a:fillRect/>
+          </a:stretch>
+        </p:blipFill>
+        <p:spPr>
+          <a:xfrm>
+            <a:off x="3235950" y="1"/>
+            <a:ext cx="8956049" cy="6858000"/>
+          </a:xfrm>
+        </p:spPr>
+      </p:pic>
+    </p:spTree>
+    <p:extLst>
+      <p:ext uri="{BB962C8B-B14F-4D97-AF65-F5344CB8AC3E}">
+        <p14:creationId xmlns:p14="http://schemas.microsoft.com/office/powerpoint/2010/main" val="2862008963"/>
+      </p:ext>
+    </p:extLst>
+  </p:cSld>
+  <p:clrMapOvr>
+    <a:masterClrMapping/>
+  </p:clrMapOvr>
+</p:sld>
+</file>
+
+<file path=ppt/slides/slide8.xml><?xml version="1.0" encoding="utf-8"?>
+<p:sld xmlns:a="http://schemas.openxmlformats.org/drawingml/2006/main" xmlns:r="http://schemas.openxmlformats.org/officeDocument/2006/relationships" xmlns:p="http://schemas.openxmlformats.org/presentationml/2006/main">
+  <p:cSld>
+    <p:spTree>
+      <p:nvGrpSpPr>
+        <p:cNvPr id="1" name=""/>
+        <p:cNvGrpSpPr/>
+        <p:nvPr/>
+      </p:nvGrpSpPr>
+      <p:grpSpPr>
+        <a:xfrm>
+          <a:off x="0" y="0"/>
+          <a:ext cx="0" cy="0"/>
+          <a:chOff x="0" y="0"/>
+          <a:chExt cx="0" cy="0"/>
+        </a:xfrm>
+      </p:grpSpPr>
+      <p:sp>
+        <p:nvSpPr>
+          <p:cNvPr id="2" name="Title 1"/>
+          <p:cNvSpPr>
+            <a:spLocks noGrp="1"/>
+          </p:cNvSpPr>
+          <p:nvPr>
+            <p:ph type="title"/>
+          </p:nvPr>
+        </p:nvSpPr>
+        <p:spPr>
+          <a:xfrm>
             <a:off x="8179231" y="2837907"/>
             <a:ext cx="4012769" cy="1325563"/>
           </a:xfrm>
@@ -3914,7 +4093,7 @@
 </p:sld>
 </file>
 
-<file path=ppt/slides/slide8.xml><?xml version="1.0" encoding="utf-8"?>
+<file path=ppt/slides/slide9.xml><?xml version="1.0" encoding="utf-8"?>
 <p:sld xmlns:a="http://schemas.openxmlformats.org/drawingml/2006/main" xmlns:r="http://schemas.openxmlformats.org/officeDocument/2006/relationships" xmlns:p="http://schemas.openxmlformats.org/presentationml/2006/main">
   <p:cSld>
     <p:spTree>
